--- a/pitch_deck/presentations/pres_templates/shablon.pptx
+++ b/pitch_deck/presentations/pres_templates/shablon.pptx
@@ -3400,7 +3400,7 @@
         </p:nvSpPr>
         <p:spPr>
           <a:xfrm>
-            <a:off x="838199" y="1825625"/>
+            <a:off x="838200" y="1825625"/>
             <a:ext cx="6970059" cy="4351338"/>
           </a:xfrm>
         </p:spPr>
@@ -3470,13 +3470,11 @@
       </p:sp>
       <p:pic>
         <p:nvPicPr>
-          <p:cNvPr id="5" name="Объект 4"/>
+          <p:cNvPr id="13" name="Рисунок 12"/>
           <p:cNvPicPr>
-            <a:picLocks noGrp="1" noChangeAspect="1"/>
+            <a:picLocks noChangeAspect="1"/>
           </p:cNvPicPr>
-          <p:nvPr>
-            <p:ph idx="1"/>
-          </p:nvPr>
+          <p:nvPr/>
         </p:nvPicPr>
         <p:blipFill>
           <a:blip r:embed="rId2">
@@ -3492,11 +3490,75 @@
         </p:blipFill>
         <p:spPr>
           <a:xfrm>
-            <a:off x="3449089" y="1825625"/>
-            <a:ext cx="5293821" cy="4351338"/>
+            <a:off x="838200" y="2347949"/>
+            <a:ext cx="4101353" cy="3266564"/>
+          </a:xfrm>
+          <a:prstGeom prst="rect">
+            <a:avLst/>
+          </a:prstGeom>
+        </p:spPr>
+      </p:pic>
+      <p:sp>
+        <p:nvSpPr>
+          <p:cNvPr id="14" name="Объект 2"/>
+          <p:cNvSpPr>
+            <a:spLocks noGrp="1"/>
+          </p:cNvSpPr>
+          <p:nvPr>
+            <p:ph idx="1"/>
+          </p:nvPr>
+        </p:nvSpPr>
+        <p:spPr>
+          <a:xfrm>
+            <a:off x="4840941" y="2524871"/>
+            <a:ext cx="7001434" cy="2746377"/>
           </a:xfrm>
         </p:spPr>
-      </p:pic>
+        <p:txBody>
+          <a:bodyPr/>
+          <a:lstStyle/>
+          <a:p>
+            <a:pPr marL="0" indent="0">
+              <a:buNone/>
+            </a:pPr>
+            <a:r>
+              <a:rPr lang="en-US" dirty="0" smtClean="0"/>
+              <a:t>0</a:t>
+            </a:r>
+          </a:p>
+          <a:p>
+            <a:pPr marL="0" indent="0">
+              <a:buNone/>
+            </a:pPr>
+            <a:endParaRPr lang="en-US" dirty="0"/>
+          </a:p>
+          <a:p>
+            <a:pPr marL="0" indent="0">
+              <a:buNone/>
+            </a:pPr>
+            <a:r>
+              <a:rPr lang="en-US" dirty="0" smtClean="0"/>
+              <a:t>1</a:t>
+            </a:r>
+          </a:p>
+          <a:p>
+            <a:pPr marL="0" indent="0">
+              <a:buNone/>
+            </a:pPr>
+            <a:endParaRPr lang="en-US" dirty="0"/>
+          </a:p>
+          <a:p>
+            <a:pPr marL="0" indent="0">
+              <a:buNone/>
+            </a:pPr>
+            <a:r>
+              <a:rPr lang="en-US" dirty="0" smtClean="0"/>
+              <a:t>2</a:t>
+            </a:r>
+            <a:endParaRPr lang="en-US" dirty="0" smtClean="0"/>
+          </a:p>
+        </p:txBody>
+      </p:sp>
     </p:spTree>
     <p:extLst>
       <p:ext uri="{BB962C8B-B14F-4D97-AF65-F5344CB8AC3E}">
@@ -3550,15 +3612,32 @@
           </a:p>
         </p:txBody>
       </p:sp>
+      <p:sp>
+        <p:nvSpPr>
+          <p:cNvPr id="3" name="Объект 2"/>
+          <p:cNvSpPr>
+            <a:spLocks noGrp="1"/>
+          </p:cNvSpPr>
+          <p:nvPr>
+            <p:ph idx="1"/>
+          </p:nvPr>
+        </p:nvSpPr>
+        <p:spPr/>
+        <p:txBody>
+          <a:bodyPr/>
+          <a:lstStyle/>
+          <a:p>
+            <a:endParaRPr lang="en-US"/>
+          </a:p>
+        </p:txBody>
+      </p:sp>
       <p:pic>
         <p:nvPicPr>
-          <p:cNvPr id="1026" name="Picture 2" descr="Канва Остервальдера"/>
+          <p:cNvPr id="4" name="Picture 2" descr="Бизнес модель Остервальдера — потребительские сегменты | Медиа Нетологии"/>
           <p:cNvPicPr>
-            <a:picLocks noGrp="1" noChangeAspect="1" noChangeArrowheads="1"/>
+            <a:picLocks noChangeAspect="1" noChangeArrowheads="1"/>
           </p:cNvPicPr>
-          <p:nvPr>
-            <p:ph idx="1"/>
-          </p:nvPr>
+          <p:nvPr/>
         </p:nvPicPr>
         <p:blipFill>
           <a:blip r:embed="rId2">
@@ -3575,8 +3654,8 @@
         </p:blipFill>
         <p:spPr bwMode="auto">
           <a:xfrm>
-            <a:off x="2486786" y="1834590"/>
-            <a:ext cx="7218427" cy="4351338"/>
+            <a:off x="2185800" y="1426387"/>
+            <a:ext cx="7820399" cy="4956484"/>
           </a:xfrm>
           <a:prstGeom prst="rect">
             <a:avLst/>
@@ -3660,7 +3739,12 @@
             <p:ph idx="1"/>
           </p:nvPr>
         </p:nvSpPr>
-        <p:spPr/>
+        <p:spPr>
+          <a:xfrm>
+            <a:off x="838200" y="1825625"/>
+            <a:ext cx="3662082" cy="4351338"/>
+          </a:xfrm>
+        </p:spPr>
         <p:txBody>
           <a:bodyPr/>
           <a:lstStyle/>

--- a/pitch_deck/presentations/pres_templates/shablon.pptx
+++ b/pitch_deck/presentations/pres_templates/shablon.pptx
@@ -3555,7 +3555,6 @@
               <a:rPr lang="en-US" dirty="0" smtClean="0"/>
               <a:t>2</a:t>
             </a:r>
-            <a:endParaRPr lang="en-US" dirty="0" smtClean="0"/>
           </a:p>
         </p:txBody>
       </p:sp>
@@ -3888,32 +3887,25 @@
           </a:p>
         </p:txBody>
       </p:sp>
-      <p:pic>
-        <p:nvPicPr>
-          <p:cNvPr id="4" name="Объект 3"/>
-          <p:cNvPicPr>
-            <a:picLocks noGrp="1" noChangeAspect="1"/>
-          </p:cNvPicPr>
+      <p:sp>
+        <p:nvSpPr>
+          <p:cNvPr id="3" name="Объект 2"/>
+          <p:cNvSpPr>
+            <a:spLocks noGrp="1"/>
+          </p:cNvSpPr>
           <p:nvPr>
             <p:ph idx="1"/>
           </p:nvPr>
-        </p:nvPicPr>
-        <p:blipFill>
-          <a:blip r:embed="rId2"/>
-          <a:stretch>
-            <a:fillRect/>
-          </a:stretch>
-        </p:blipFill>
-        <p:spPr>
-          <a:xfrm>
-            <a:off x="2126111" y="1825625"/>
-            <a:ext cx="7939778" cy="4351338"/>
-          </a:xfrm>
-          <a:prstGeom prst="rect">
-            <a:avLst/>
-          </a:prstGeom>
-        </p:spPr>
-      </p:pic>
+        </p:nvSpPr>
+        <p:spPr/>
+        <p:txBody>
+          <a:bodyPr/>
+          <a:lstStyle/>
+          <a:p>
+            <a:endParaRPr lang="ru-RU"/>
+          </a:p>
+        </p:txBody>
+      </p:sp>
     </p:spTree>
     <p:extLst>
       <p:ext uri="{BB962C8B-B14F-4D97-AF65-F5344CB8AC3E}">
